--- a/report/CS677_Final_Project_YidingYang.pptx
+++ b/report/CS677_Final_Project_YidingYang.pptx
@@ -5104,23 +5104,7 @@
             </a:pPr>
             <a:r>
               <a:rPr lang="en-US" altLang="en-US"/>
-              <a:t>random graph generate</a:t>
-            </a:r>
-            <a:r>
-              <a:rPr lang="" altLang="en-US"/>
-              <a:t>d</a:t>
-            </a:r>
-            <a:r>
-              <a:rPr lang="en-US" altLang="en-US"/>
-              <a:t> </a:t>
-            </a:r>
-            <a:r>
-              <a:rPr lang="" altLang="en-US"/>
-              <a:t>by</a:t>
-            </a:r>
-            <a:r>
-              <a:rPr lang="en-US" altLang="en-US"/>
-              <a:t> Erdos-Renyi model</a:t>
+              <a:t>random graph generated by Erdos-Renyi model</a:t>
             </a:r>
             <a:endParaRPr lang="en-US" altLang="en-US"/>
           </a:p>
@@ -5755,7 +5739,7 @@
         </p:blipFill>
         <p:spPr>
           <a:xfrm>
-            <a:off x="4665980" y="2596515"/>
+            <a:off x="4673600" y="2637155"/>
             <a:ext cx="3553460" cy="2745105"/>
           </a:xfrm>
           <a:prstGeom prst="rect">
@@ -6097,7 +6081,7 @@
           <p:nvPr/>
         </p:nvGraphicFramePr>
         <p:xfrm>
-          <a:off x="5774690" y="2237740"/>
+          <a:off x="4362450" y="3065145"/>
           <a:ext cx="886460" cy="762000"/>
         </p:xfrm>
         <a:graphic>
@@ -6335,12 +6319,20 @@
               <a:t>	</a:t>
             </a:r>
             <a:r>
+              <a:rPr lang="" altLang="en-US">
+                <a:solidFill>
+                  <a:schemeClr val="accent6"/>
+                </a:solidFill>
+              </a:rPr>
+              <a:t>5</a:t>
+            </a:r>
+            <a:r>
               <a:rPr lang="en-US" altLang="en-US">
                 <a:solidFill>
                   <a:schemeClr val="accent6"/>
                 </a:solidFill>
               </a:rPr>
-              <a:t>4, R-Kleene(D)</a:t>
+              <a:t>, R-Kleene(D)</a:t>
             </a:r>
             <a:endParaRPr lang="en-US" altLang="en-US">
               <a:solidFill>
@@ -6352,6 +6344,22 @@
             <a:r>
               <a:rPr lang="en-US" altLang="en-US"/>
               <a:t>	</a:t>
+            </a:r>
+            <a:r>
+              <a:rPr lang="" altLang="en-US">
+                <a:solidFill>
+                  <a:schemeClr val="accent1"/>
+                </a:solidFill>
+              </a:rPr>
+              <a:t>6</a:t>
+            </a:r>
+            <a:r>
+              <a:rPr lang="en-US" altLang="en-US">
+                <a:solidFill>
+                  <a:schemeClr val="accent1"/>
+                </a:solidFill>
+              </a:rPr>
+              <a:t>, Update </a:t>
             </a:r>
             <a:r>
               <a:rPr lang="en-US" altLang="en-US">
@@ -6361,7 +6369,7 @@
                   </a:schemeClr>
                 </a:solidFill>
               </a:rPr>
-              <a:t>5, Update B using D</a:t>
+              <a:t>B using D</a:t>
             </a:r>
             <a:endParaRPr lang="en-US" altLang="en-US">
               <a:solidFill>
@@ -6380,7 +6388,27 @@
                   </a:schemeClr>
                 </a:solidFill>
               </a:rPr>
-              <a:t>	6, Update C using D</a:t>
+              <a:t>	</a:t>
+            </a:r>
+            <a:r>
+              <a:rPr lang="" altLang="en-US">
+                <a:solidFill>
+                  <a:schemeClr val="accent1">
+                    <a:lumMod val="75000"/>
+                  </a:schemeClr>
+                </a:solidFill>
+              </a:rPr>
+              <a:t>7</a:t>
+            </a:r>
+            <a:r>
+              <a:rPr lang="en-US" altLang="en-US">
+                <a:solidFill>
+                  <a:schemeClr val="accent1">
+                    <a:lumMod val="75000"/>
+                  </a:schemeClr>
+                </a:solidFill>
+              </a:rPr>
+              <a:t>, Update C using D</a:t>
             </a:r>
             <a:endParaRPr lang="en-US" altLang="en-US">
               <a:solidFill>
@@ -6399,7 +6427,27 @@
                   </a:schemeClr>
                 </a:solidFill>
               </a:rPr>
-              <a:t>	7, Update A using B and C</a:t>
+              <a:t>	</a:t>
+            </a:r>
+            <a:r>
+              <a:rPr lang="" altLang="en-US">
+                <a:solidFill>
+                  <a:schemeClr val="accent1">
+                    <a:lumMod val="75000"/>
+                  </a:schemeClr>
+                </a:solidFill>
+              </a:rPr>
+              <a:t>8</a:t>
+            </a:r>
+            <a:r>
+              <a:rPr lang="en-US" altLang="en-US">
+                <a:solidFill>
+                  <a:schemeClr val="accent1">
+                    <a:lumMod val="75000"/>
+                  </a:schemeClr>
+                </a:solidFill>
+              </a:rPr>
+              <a:t>, Update A using B and C</a:t>
             </a:r>
             <a:endParaRPr lang="en-US" altLang="en-US">
               <a:solidFill>
@@ -7571,7 +7619,7 @@
         </p:nvSpPr>
         <p:spPr>
           <a:xfrm>
-            <a:off x="7418705" y="2759710"/>
+            <a:off x="7369810" y="2769870"/>
             <a:ext cx="246380" cy="368300"/>
           </a:xfrm>
           <a:prstGeom prst="rect">
@@ -7629,7 +7677,7 @@
         </p:nvSpPr>
         <p:spPr>
           <a:xfrm>
-            <a:off x="4643120" y="3805555"/>
+            <a:off x="6066790" y="1972310"/>
             <a:ext cx="2207260" cy="337185"/>
           </a:xfrm>
           <a:prstGeom prst="rect">
